--- a/SAOD_massive_stack2_1.pptx
+++ b/SAOD_massive_stack2_1.pptx
@@ -214,7 +214,7 @@
           <a:p>
             <a:fld id="{5AA40F14-C759-4ED1-A188-4E890A943CDD}" type="datetimeFigureOut">
               <a:rPr lang="ru-RU" smtClean="0"/>
-              <a:t>21.05.2020</a:t>
+              <a:t>22.05.2020</a:t>
             </a:fld>
             <a:endParaRPr lang="ru-RU"/>
           </a:p>
@@ -1157,7 +1157,7 @@
           <a:p>
             <a:fld id="{9FB14BBB-647C-4132-992E-C05D224D0D22}" type="datetimeFigureOut">
               <a:rPr lang="en-US" smtClean="0"/>
-              <a:t>5/21/2020</a:t>
+              <a:t>5/22/2020</a:t>
             </a:fld>
             <a:endParaRPr lang="en-US"/>
           </a:p>
@@ -1403,7 +1403,7 @@
           <a:p>
             <a:fld id="{9FB14BBB-647C-4132-992E-C05D224D0D22}" type="datetimeFigureOut">
               <a:rPr lang="en-US" smtClean="0"/>
-              <a:t>5/21/2020</a:t>
+              <a:t>5/22/2020</a:t>
             </a:fld>
             <a:endParaRPr lang="en-US"/>
           </a:p>
@@ -1639,7 +1639,7 @@
           <a:p>
             <a:fld id="{9FB14BBB-647C-4132-992E-C05D224D0D22}" type="datetimeFigureOut">
               <a:rPr lang="en-US" smtClean="0"/>
-              <a:t>5/21/2020</a:t>
+              <a:t>5/22/2020</a:t>
             </a:fld>
             <a:endParaRPr lang="en-US"/>
           </a:p>
@@ -2010,7 +2010,7 @@
           <a:p>
             <a:fld id="{9FB14BBB-647C-4132-992E-C05D224D0D22}" type="datetimeFigureOut">
               <a:rPr lang="en-US" smtClean="0"/>
-              <a:t>5/21/2020</a:t>
+              <a:t>5/22/2020</a:t>
             </a:fld>
             <a:endParaRPr lang="en-US"/>
           </a:p>
@@ -2132,7 +2132,7 @@
           <a:p>
             <a:fld id="{9FB14BBB-647C-4132-992E-C05D224D0D22}" type="datetimeFigureOut">
               <a:rPr lang="en-US" smtClean="0"/>
-              <a:t>5/21/2020</a:t>
+              <a:t>5/22/2020</a:t>
             </a:fld>
             <a:endParaRPr lang="en-US"/>
           </a:p>
@@ -2415,7 +2415,7 @@
           <a:p>
             <a:fld id="{9FB14BBB-647C-4132-992E-C05D224D0D22}" type="datetimeFigureOut">
               <a:rPr lang="en-US" smtClean="0"/>
-              <a:t>5/21/2020</a:t>
+              <a:t>5/22/2020</a:t>
             </a:fld>
             <a:endParaRPr lang="en-US"/>
           </a:p>
@@ -2691,7 +2691,7 @@
           <a:p>
             <a:fld id="{9FB14BBB-647C-4132-992E-C05D224D0D22}" type="datetimeFigureOut">
               <a:rPr lang="en-US" smtClean="0"/>
-              <a:t>5/21/2020</a:t>
+              <a:t>5/22/2020</a:t>
             </a:fld>
             <a:endParaRPr lang="en-US"/>
           </a:p>
@@ -3351,6 +3351,13 @@
   <p:clrMapOvr>
     <a:masterClrMapping/>
   </p:clrMapOvr>
+  <p:timing>
+    <p:tnLst>
+      <p:par>
+        <p:cTn id="1" dur="indefinite" restart="never" nodeType="tmRoot"/>
+      </p:par>
+    </p:tnLst>
+  </p:timing>
 </p:sld>
 </file>
 
@@ -3593,6 +3600,13 @@
   <p:clrMapOvr>
     <a:masterClrMapping/>
   </p:clrMapOvr>
+  <p:timing>
+    <p:tnLst>
+      <p:par>
+        <p:cTn id="1" dur="indefinite" restart="never" nodeType="tmRoot"/>
+      </p:par>
+    </p:tnLst>
+  </p:timing>
 </p:sld>
 </file>
 
@@ -3757,6 +3771,13 @@
   <p:clrMapOvr>
     <a:masterClrMapping/>
   </p:clrMapOvr>
+  <p:timing>
+    <p:tnLst>
+      <p:par>
+        <p:cTn id="1" dur="indefinite" restart="never" nodeType="tmRoot"/>
+      </p:par>
+    </p:tnLst>
+  </p:timing>
 </p:sld>
 </file>
 
@@ -4211,6 +4232,13 @@
   <p:clrMapOvr>
     <a:masterClrMapping/>
   </p:clrMapOvr>
+  <p:timing>
+    <p:tnLst>
+      <p:par>
+        <p:cTn id="1" dur="indefinite" restart="never" nodeType="tmRoot"/>
+      </p:par>
+    </p:tnLst>
+  </p:timing>
 </p:sld>
 </file>
 
@@ -4387,6 +4415,13 @@
   <p:clrMapOvr>
     <a:masterClrMapping/>
   </p:clrMapOvr>
+  <p:timing>
+    <p:tnLst>
+      <p:par>
+        <p:cTn id="1" dur="indefinite" restart="never" nodeType="tmRoot"/>
+      </p:par>
+    </p:tnLst>
+  </p:timing>
 </p:sld>
 </file>
 
@@ -4740,6 +4775,13 @@
   <p:clrMapOvr>
     <a:masterClrMapping/>
   </p:clrMapOvr>
+  <p:timing>
+    <p:tnLst>
+      <p:par>
+        <p:cTn id="1" dur="indefinite" restart="never" nodeType="tmRoot"/>
+      </p:par>
+    </p:tnLst>
+  </p:timing>
 </p:sld>
 </file>
 
@@ -4902,6 +4944,13 @@
   <p:clrMapOvr>
     <a:masterClrMapping/>
   </p:clrMapOvr>
+  <p:timing>
+    <p:tnLst>
+      <p:par>
+        <p:cTn id="1" dur="indefinite" restart="never" nodeType="tmRoot"/>
+      </p:par>
+    </p:tnLst>
+  </p:timing>
 </p:sld>
 </file>
 
@@ -4961,7 +5010,7 @@
         </p:nvGraphicFramePr>
         <p:xfrm>
           <a:off x="2032000" y="2176991"/>
-          <a:ext cx="8127999" cy="2865120"/>
+          <a:ext cx="8127999" cy="3134360"/>
         </p:xfrm>
         <a:graphic>
           <a:graphicData uri="http://schemas.openxmlformats.org/drawingml/2006/table">
@@ -4973,21 +5022,21 @@
                 <a:gridCol w="2709333">
                   <a:extLst>
                     <a:ext uri="{9D8B030D-6E8A-4147-A177-3AD203B41FA5}">
-                      <a16:colId xmlns:a16="http://schemas.microsoft.com/office/drawing/2014/main" xmlns="" val="2273258793"/>
+                      <a16:colId xmlns:a16="http://schemas.microsoft.com/office/drawing/2014/main" val="2273258793"/>
                     </a:ext>
                   </a:extLst>
                 </a:gridCol>
                 <a:gridCol w="2709333">
                   <a:extLst>
                     <a:ext uri="{9D8B030D-6E8A-4147-A177-3AD203B41FA5}">
-                      <a16:colId xmlns:a16="http://schemas.microsoft.com/office/drawing/2014/main" xmlns="" val="4085882454"/>
+                      <a16:colId xmlns:a16="http://schemas.microsoft.com/office/drawing/2014/main" val="4085882454"/>
                     </a:ext>
                   </a:extLst>
                 </a:gridCol>
                 <a:gridCol w="2709333">
                   <a:extLst>
                     <a:ext uri="{9D8B030D-6E8A-4147-A177-3AD203B41FA5}">
-                      <a16:colId xmlns:a16="http://schemas.microsoft.com/office/drawing/2014/main" xmlns="" val="4087228358"/>
+                      <a16:colId xmlns:a16="http://schemas.microsoft.com/office/drawing/2014/main" val="4087228358"/>
                     </a:ext>
                   </a:extLst>
                 </a:gridCol>
@@ -5049,7 +5098,7 @@
                 </a:tc>
                 <a:extLst>
                   <a:ext uri="{0D108BD9-81ED-4DB2-BD59-A6C34878D82A}">
-                    <a16:rowId xmlns:a16="http://schemas.microsoft.com/office/drawing/2014/main" xmlns="" val="3750565929"/>
+                    <a16:rowId xmlns:a16="http://schemas.microsoft.com/office/drawing/2014/main" val="3750565929"/>
                   </a:ext>
                 </a:extLst>
               </a:tr>
@@ -5110,7 +5159,7 @@
                 </a:tc>
                 <a:extLst>
                   <a:ext uri="{0D108BD9-81ED-4DB2-BD59-A6C34878D82A}">
-                    <a16:rowId xmlns:a16="http://schemas.microsoft.com/office/drawing/2014/main" xmlns="" val="1328358380"/>
+                    <a16:rowId xmlns:a16="http://schemas.microsoft.com/office/drawing/2014/main" val="1328358380"/>
                   </a:ext>
                 </a:extLst>
               </a:tr>
@@ -5183,7 +5232,7 @@
                 </a:tc>
                 <a:extLst>
                   <a:ext uri="{0D108BD9-81ED-4DB2-BD59-A6C34878D82A}">
-                    <a16:rowId xmlns:a16="http://schemas.microsoft.com/office/drawing/2014/main" xmlns="" val="3111431212"/>
+                    <a16:rowId xmlns:a16="http://schemas.microsoft.com/office/drawing/2014/main" val="3111431212"/>
                   </a:ext>
                 </a:extLst>
               </a:tr>
@@ -5256,7 +5305,7 @@
                 </a:tc>
                 <a:extLst>
                   <a:ext uri="{0D108BD9-81ED-4DB2-BD59-A6C34878D82A}">
-                    <a16:rowId xmlns:a16="http://schemas.microsoft.com/office/drawing/2014/main" xmlns="" val="2815971972"/>
+                    <a16:rowId xmlns:a16="http://schemas.microsoft.com/office/drawing/2014/main" val="2815971972"/>
                   </a:ext>
                 </a:extLst>
               </a:tr>
@@ -5329,7 +5378,7 @@
                 </a:tc>
                 <a:extLst>
                   <a:ext uri="{0D108BD9-81ED-4DB2-BD59-A6C34878D82A}">
-                    <a16:rowId xmlns:a16="http://schemas.microsoft.com/office/drawing/2014/main" xmlns="" val="3378032470"/>
+                    <a16:rowId xmlns:a16="http://schemas.microsoft.com/office/drawing/2014/main" val="3378032470"/>
                   </a:ext>
                 </a:extLst>
               </a:tr>
@@ -5408,7 +5457,7 @@
                 </a:tc>
                 <a:extLst>
                   <a:ext uri="{0D108BD9-81ED-4DB2-BD59-A6C34878D82A}">
-                    <a16:rowId xmlns:a16="http://schemas.microsoft.com/office/drawing/2014/main" xmlns="" val="327022973"/>
+                    <a16:rowId xmlns:a16="http://schemas.microsoft.com/office/drawing/2014/main" val="327022973"/>
                   </a:ext>
                 </a:extLst>
               </a:tr>
@@ -5475,7 +5524,7 @@
                 </a:tc>
                 <a:extLst>
                   <a:ext uri="{0D108BD9-81ED-4DB2-BD59-A6C34878D82A}">
-                    <a16:rowId xmlns:a16="http://schemas.microsoft.com/office/drawing/2014/main" xmlns="" val="3023152935"/>
+                    <a16:rowId xmlns:a16="http://schemas.microsoft.com/office/drawing/2014/main" val="3023152935"/>
                   </a:ext>
                 </a:extLst>
               </a:tr>
@@ -5493,6 +5542,13 @@
   <p:clrMapOvr>
     <a:masterClrMapping/>
   </p:clrMapOvr>
+  <p:timing>
+    <p:tnLst>
+      <p:par>
+        <p:cTn id="1" dur="indefinite" restart="never" nodeType="tmRoot"/>
+      </p:par>
+    </p:tnLst>
+  </p:timing>
 </p:sld>
 </file>
 
@@ -5552,6 +5608,13 @@
   <p:clrMapOvr>
     <a:masterClrMapping/>
   </p:clrMapOvr>
+  <p:timing>
+    <p:tnLst>
+      <p:par>
+        <p:cTn id="1" dur="indefinite" restart="never" nodeType="tmRoot"/>
+      </p:par>
+    </p:tnLst>
+  </p:timing>
 </p:sld>
 </file>
 
@@ -6696,6 +6759,13 @@
   <p:clrMapOvr>
     <a:masterClrMapping/>
   </p:clrMapOvr>
+  <p:timing>
+    <p:tnLst>
+      <p:par>
+        <p:cTn id="1" dur="indefinite" restart="never" nodeType="tmRoot"/>
+      </p:par>
+    </p:tnLst>
+  </p:timing>
 </p:sld>
 </file>
 
@@ -6858,6 +6928,13 @@
   <p:clrMapOvr>
     <a:masterClrMapping/>
   </p:clrMapOvr>
+  <p:timing>
+    <p:tnLst>
+      <p:par>
+        <p:cTn id="1" dur="indefinite" restart="never" nodeType="tmRoot"/>
+      </p:par>
+    </p:tnLst>
+  </p:timing>
 </p:sld>
 </file>
 
@@ -7335,6 +7412,13 @@
   <p:clrMapOvr>
     <a:masterClrMapping/>
   </p:clrMapOvr>
+  <p:timing>
+    <p:tnLst>
+      <p:par>
+        <p:cTn id="1" dur="indefinite" restart="never" nodeType="tmRoot"/>
+      </p:par>
+    </p:tnLst>
+  </p:timing>
 </p:sld>
 </file>
 
